--- a/teaching/microeconometrics/经济学研究常用中国微观数据.pptx
+++ b/teaching/microeconometrics/经济学研究常用中国微观数据.pptx
@@ -271,7 +271,7 @@
           <a:p>
             <a:fld id="{E86F83C5-F88E-4C18-AAA5-9BA4396D2D7B}" type="datetimeFigureOut">
               <a:rPr lang="zh-CN" altLang="en-US" smtClean="0"/>
-              <a:t>2019/10/30</a:t>
+              <a:t>2020/10/27</a:t>
             </a:fld>
             <a:endParaRPr lang="zh-CN" altLang="en-US"/>
           </a:p>
@@ -469,7 +469,7 @@
           <a:p>
             <a:fld id="{E86F83C5-F88E-4C18-AAA5-9BA4396D2D7B}" type="datetimeFigureOut">
               <a:rPr lang="zh-CN" altLang="en-US" smtClean="0"/>
-              <a:t>2019/10/30</a:t>
+              <a:t>2020/10/27</a:t>
             </a:fld>
             <a:endParaRPr lang="zh-CN" altLang="en-US"/>
           </a:p>
@@ -677,7 +677,7 @@
           <a:p>
             <a:fld id="{E86F83C5-F88E-4C18-AAA5-9BA4396D2D7B}" type="datetimeFigureOut">
               <a:rPr lang="zh-CN" altLang="en-US" smtClean="0"/>
-              <a:t>2019/10/30</a:t>
+              <a:t>2020/10/27</a:t>
             </a:fld>
             <a:endParaRPr lang="zh-CN" altLang="en-US"/>
           </a:p>
@@ -875,7 +875,7 @@
           <a:p>
             <a:fld id="{E86F83C5-F88E-4C18-AAA5-9BA4396D2D7B}" type="datetimeFigureOut">
               <a:rPr lang="zh-CN" altLang="en-US" smtClean="0"/>
-              <a:t>2019/10/30</a:t>
+              <a:t>2020/10/27</a:t>
             </a:fld>
             <a:endParaRPr lang="zh-CN" altLang="en-US"/>
           </a:p>
@@ -1150,7 +1150,7 @@
           <a:p>
             <a:fld id="{E86F83C5-F88E-4C18-AAA5-9BA4396D2D7B}" type="datetimeFigureOut">
               <a:rPr lang="zh-CN" altLang="en-US" smtClean="0"/>
-              <a:t>2019/10/30</a:t>
+              <a:t>2020/10/27</a:t>
             </a:fld>
             <a:endParaRPr lang="zh-CN" altLang="en-US"/>
           </a:p>
@@ -1415,7 +1415,7 @@
           <a:p>
             <a:fld id="{E86F83C5-F88E-4C18-AAA5-9BA4396D2D7B}" type="datetimeFigureOut">
               <a:rPr lang="zh-CN" altLang="en-US" smtClean="0"/>
-              <a:t>2019/10/30</a:t>
+              <a:t>2020/10/27</a:t>
             </a:fld>
             <a:endParaRPr lang="zh-CN" altLang="en-US"/>
           </a:p>
@@ -1827,7 +1827,7 @@
           <a:p>
             <a:fld id="{E86F83C5-F88E-4C18-AAA5-9BA4396D2D7B}" type="datetimeFigureOut">
               <a:rPr lang="zh-CN" altLang="en-US" smtClean="0"/>
-              <a:t>2019/10/30</a:t>
+              <a:t>2020/10/27</a:t>
             </a:fld>
             <a:endParaRPr lang="zh-CN" altLang="en-US"/>
           </a:p>
@@ -1968,7 +1968,7 @@
           <a:p>
             <a:fld id="{E86F83C5-F88E-4C18-AAA5-9BA4396D2D7B}" type="datetimeFigureOut">
               <a:rPr lang="zh-CN" altLang="en-US" smtClean="0"/>
-              <a:t>2019/10/30</a:t>
+              <a:t>2020/10/27</a:t>
             </a:fld>
             <a:endParaRPr lang="zh-CN" altLang="en-US"/>
           </a:p>
@@ -2081,7 +2081,7 @@
           <a:p>
             <a:fld id="{E86F83C5-F88E-4C18-AAA5-9BA4396D2D7B}" type="datetimeFigureOut">
               <a:rPr lang="zh-CN" altLang="en-US" smtClean="0"/>
-              <a:t>2019/10/30</a:t>
+              <a:t>2020/10/27</a:t>
             </a:fld>
             <a:endParaRPr lang="zh-CN" altLang="en-US"/>
           </a:p>
@@ -2392,7 +2392,7 @@
           <a:p>
             <a:fld id="{E86F83C5-F88E-4C18-AAA5-9BA4396D2D7B}" type="datetimeFigureOut">
               <a:rPr lang="zh-CN" altLang="en-US" smtClean="0"/>
-              <a:t>2019/10/30</a:t>
+              <a:t>2020/10/27</a:t>
             </a:fld>
             <a:endParaRPr lang="zh-CN" altLang="en-US"/>
           </a:p>
@@ -2680,7 +2680,7 @@
           <a:p>
             <a:fld id="{E86F83C5-F88E-4C18-AAA5-9BA4396D2D7B}" type="datetimeFigureOut">
               <a:rPr lang="zh-CN" altLang="en-US" smtClean="0"/>
-              <a:t>2019/10/30</a:t>
+              <a:t>2020/10/27</a:t>
             </a:fld>
             <a:endParaRPr lang="zh-CN" altLang="en-US"/>
           </a:p>
@@ -2921,7 +2921,7 @@
           <a:p>
             <a:fld id="{E86F83C5-F88E-4C18-AAA5-9BA4396D2D7B}" type="datetimeFigureOut">
               <a:rPr lang="zh-CN" altLang="en-US" smtClean="0"/>
-              <a:t>2019/10/30</a:t>
+              <a:t>2020/10/27</a:t>
             </a:fld>
             <a:endParaRPr lang="zh-CN" altLang="en-US"/>
           </a:p>
@@ -3849,7 +3849,7 @@
             </a:r>
             <a:r>
               <a:rPr lang="en-US" altLang="zh-CN" dirty="0"/>
-              <a:t>2020</a:t>
+              <a:t>2021</a:t>
             </a:r>
             <a:r>
               <a:rPr lang="zh-CN" altLang="en-US" dirty="0"/>
@@ -3864,8 +3864,8 @@
               <a:t>月</a:t>
             </a:r>
             <a:r>
-              <a:rPr lang="en-US" altLang="zh-CN" dirty="0"/>
-              <a:t>8</a:t>
+              <a:rPr lang="en-US" altLang="zh-CN"/>
+              <a:t>18</a:t>
             </a:r>
             <a:r>
               <a:rPr lang="zh-CN" altLang="en-US" dirty="0"/>
@@ -3924,13 +3924,8 @@
             </a:r>
             <a:r>
               <a:rPr lang="zh-CN" altLang="en-US" dirty="0"/>
-              <a:t>英寸边</a:t>
-            </a:r>
-            <a:r>
-              <a:rPr lang="zh-CN" altLang="en-US"/>
-              <a:t>距。</a:t>
-            </a:r>
-            <a:endParaRPr lang="zh-CN" altLang="en-US" dirty="0"/>
+              <a:t>英寸边距。</a:t>
+            </a:r>
           </a:p>
         </p:txBody>
       </p:sp>
